--- a/수정.pptx
+++ b/수정.pptx
@@ -6,6 +6,8 @@
   </p:sldMasterIdLst>
   <p:sldIdLst>
     <p:sldId id="256" r:id="rId2"/>
+    <p:sldId id="257" r:id="rId3"/>
+    <p:sldId id="258" r:id="rId4"/>
   </p:sldIdLst>
   <p:sldSz cx="9144000" cy="6858000" type="screen4x3"/>
   <p:notesSz cx="6858000" cy="9144000"/>
@@ -288,7 +290,7 @@
           <a:p>
             <a:fld id="{CB70A2B1-B60F-4FA8-B73D-87FBCF1D2AEA}" type="datetimeFigureOut">
               <a:rPr lang="ko-KR" altLang="en-US" smtClean="0"/>
-              <a:t>2019-09-05</a:t>
+              <a:t>2019-09-06</a:t>
             </a:fld>
             <a:endParaRPr lang="ko-KR" altLang="en-US"/>
           </a:p>
@@ -458,7 +460,7 @@
           <a:p>
             <a:fld id="{CB70A2B1-B60F-4FA8-B73D-87FBCF1D2AEA}" type="datetimeFigureOut">
               <a:rPr lang="ko-KR" altLang="en-US" smtClean="0"/>
-              <a:t>2019-09-05</a:t>
+              <a:t>2019-09-06</a:t>
             </a:fld>
             <a:endParaRPr lang="ko-KR" altLang="en-US"/>
           </a:p>
@@ -638,7 +640,7 @@
           <a:p>
             <a:fld id="{CB70A2B1-B60F-4FA8-B73D-87FBCF1D2AEA}" type="datetimeFigureOut">
               <a:rPr lang="ko-KR" altLang="en-US" smtClean="0"/>
-              <a:t>2019-09-05</a:t>
+              <a:t>2019-09-06</a:t>
             </a:fld>
             <a:endParaRPr lang="ko-KR" altLang="en-US"/>
           </a:p>
@@ -808,7 +810,7 @@
           <a:p>
             <a:fld id="{CB70A2B1-B60F-4FA8-B73D-87FBCF1D2AEA}" type="datetimeFigureOut">
               <a:rPr lang="ko-KR" altLang="en-US" smtClean="0"/>
-              <a:t>2019-09-05</a:t>
+              <a:t>2019-09-06</a:t>
             </a:fld>
             <a:endParaRPr lang="ko-KR" altLang="en-US"/>
           </a:p>
@@ -1054,7 +1056,7 @@
           <a:p>
             <a:fld id="{CB70A2B1-B60F-4FA8-B73D-87FBCF1D2AEA}" type="datetimeFigureOut">
               <a:rPr lang="ko-KR" altLang="en-US" smtClean="0"/>
-              <a:t>2019-09-05</a:t>
+              <a:t>2019-09-06</a:t>
             </a:fld>
             <a:endParaRPr lang="ko-KR" altLang="en-US"/>
           </a:p>
@@ -1342,7 +1344,7 @@
           <a:p>
             <a:fld id="{CB70A2B1-B60F-4FA8-B73D-87FBCF1D2AEA}" type="datetimeFigureOut">
               <a:rPr lang="ko-KR" altLang="en-US" smtClean="0"/>
-              <a:t>2019-09-05</a:t>
+              <a:t>2019-09-06</a:t>
             </a:fld>
             <a:endParaRPr lang="ko-KR" altLang="en-US"/>
           </a:p>
@@ -1764,7 +1766,7 @@
           <a:p>
             <a:fld id="{CB70A2B1-B60F-4FA8-B73D-87FBCF1D2AEA}" type="datetimeFigureOut">
               <a:rPr lang="ko-KR" altLang="en-US" smtClean="0"/>
-              <a:t>2019-09-05</a:t>
+              <a:t>2019-09-06</a:t>
             </a:fld>
             <a:endParaRPr lang="ko-KR" altLang="en-US"/>
           </a:p>
@@ -1882,7 +1884,7 @@
           <a:p>
             <a:fld id="{CB70A2B1-B60F-4FA8-B73D-87FBCF1D2AEA}" type="datetimeFigureOut">
               <a:rPr lang="ko-KR" altLang="en-US" smtClean="0"/>
-              <a:t>2019-09-05</a:t>
+              <a:t>2019-09-06</a:t>
             </a:fld>
             <a:endParaRPr lang="ko-KR" altLang="en-US"/>
           </a:p>
@@ -1977,7 +1979,7 @@
           <a:p>
             <a:fld id="{CB70A2B1-B60F-4FA8-B73D-87FBCF1D2AEA}" type="datetimeFigureOut">
               <a:rPr lang="ko-KR" altLang="en-US" smtClean="0"/>
-              <a:t>2019-09-05</a:t>
+              <a:t>2019-09-06</a:t>
             </a:fld>
             <a:endParaRPr lang="ko-KR" altLang="en-US"/>
           </a:p>
@@ -2254,7 +2256,7 @@
           <a:p>
             <a:fld id="{CB70A2B1-B60F-4FA8-B73D-87FBCF1D2AEA}" type="datetimeFigureOut">
               <a:rPr lang="ko-KR" altLang="en-US" smtClean="0"/>
-              <a:t>2019-09-05</a:t>
+              <a:t>2019-09-06</a:t>
             </a:fld>
             <a:endParaRPr lang="ko-KR" altLang="en-US"/>
           </a:p>
@@ -2507,7 +2509,7 @@
           <a:p>
             <a:fld id="{CB70A2B1-B60F-4FA8-B73D-87FBCF1D2AEA}" type="datetimeFigureOut">
               <a:rPr lang="ko-KR" altLang="en-US" smtClean="0"/>
-              <a:t>2019-09-05</a:t>
+              <a:t>2019-09-06</a:t>
             </a:fld>
             <a:endParaRPr lang="ko-KR" altLang="en-US"/>
           </a:p>
@@ -2720,7 +2722,7 @@
           <a:p>
             <a:fld id="{CB70A2B1-B60F-4FA8-B73D-87FBCF1D2AEA}" type="datetimeFigureOut">
               <a:rPr lang="ko-KR" altLang="en-US" smtClean="0"/>
-              <a:t>2019-09-05</a:t>
+              <a:t>2019-09-06</a:t>
             </a:fld>
             <a:endParaRPr lang="ko-KR" altLang="en-US"/>
           </a:p>
@@ -6422,6 +6424,1492 @@
 </p:sld>
 </file>
 
+<file path=ppt/slides/slide2.xml><?xml version="1.0" encoding="utf-8"?>
+<p:sld xmlns:a="http://schemas.openxmlformats.org/drawingml/2006/main" xmlns:r="http://schemas.openxmlformats.org/officeDocument/2006/relationships" xmlns:p="http://schemas.openxmlformats.org/presentationml/2006/main">
+  <p:cSld>
+    <p:spTree>
+      <p:nvGrpSpPr>
+        <p:cNvPr id="1" name=""/>
+        <p:cNvGrpSpPr/>
+        <p:nvPr/>
+      </p:nvGrpSpPr>
+      <p:grpSpPr>
+        <a:xfrm>
+          <a:off x="0" y="0"/>
+          <a:ext cx="0" cy="0"/>
+          <a:chOff x="0" y="0"/>
+          <a:chExt cx="0" cy="0"/>
+        </a:xfrm>
+      </p:grpSpPr>
+      <p:grpSp>
+        <p:nvGrpSpPr>
+          <p:cNvPr id="29" name="그룹 28"/>
+          <p:cNvGrpSpPr/>
+          <p:nvPr/>
+        </p:nvGrpSpPr>
+        <p:grpSpPr>
+          <a:xfrm>
+            <a:off x="96927" y="1677144"/>
+            <a:ext cx="7776864" cy="5040560"/>
+            <a:chOff x="683568" y="1196752"/>
+            <a:chExt cx="7776864" cy="5040560"/>
+          </a:xfrm>
+        </p:grpSpPr>
+        <p:sp>
+          <p:nvSpPr>
+            <p:cNvPr id="28" name="직사각형 27"/>
+            <p:cNvSpPr/>
+            <p:nvPr/>
+          </p:nvSpPr>
+          <p:spPr>
+            <a:xfrm>
+              <a:off x="683568" y="1196752"/>
+              <a:ext cx="7776864" cy="5040560"/>
+            </a:xfrm>
+            <a:prstGeom prst="rect">
+              <a:avLst/>
+            </a:prstGeom>
+            <a:solidFill>
+              <a:schemeClr val="accent6">
+                <a:alpha val="29000"/>
+              </a:schemeClr>
+            </a:solidFill>
+            <a:ln w="12700">
+              <a:solidFill>
+                <a:schemeClr val="tx1"/>
+              </a:solidFill>
+            </a:ln>
+          </p:spPr>
+          <p:style>
+            <a:lnRef idx="2">
+              <a:schemeClr val="accent1">
+                <a:shade val="50000"/>
+              </a:schemeClr>
+            </a:lnRef>
+            <a:fillRef idx="1">
+              <a:schemeClr val="accent1"/>
+            </a:fillRef>
+            <a:effectRef idx="0">
+              <a:schemeClr val="accent1"/>
+            </a:effectRef>
+            <a:fontRef idx="minor">
+              <a:schemeClr val="lt1"/>
+            </a:fontRef>
+          </p:style>
+          <p:txBody>
+            <a:bodyPr rtlCol="0" anchor="ctr"/>
+            <a:lstStyle/>
+            <a:p>
+              <a:pPr algn="ctr"/>
+              <a:endParaRPr lang="ko-KR" altLang="en-US"/>
+            </a:p>
+          </p:txBody>
+        </p:sp>
+        <p:grpSp>
+          <p:nvGrpSpPr>
+            <p:cNvPr id="26" name="그룹 25"/>
+            <p:cNvGrpSpPr/>
+            <p:nvPr/>
+          </p:nvGrpSpPr>
+          <p:grpSpPr>
+            <a:xfrm>
+              <a:off x="755576" y="1277291"/>
+              <a:ext cx="7488832" cy="4798795"/>
+              <a:chOff x="107504" y="1032952"/>
+              <a:chExt cx="7831982" cy="5178620"/>
+            </a:xfrm>
+          </p:grpSpPr>
+          <p:grpSp>
+            <p:nvGrpSpPr>
+              <p:cNvPr id="22" name="그룹 21"/>
+              <p:cNvGrpSpPr/>
+              <p:nvPr/>
+            </p:nvGrpSpPr>
+            <p:grpSpPr>
+              <a:xfrm>
+                <a:off x="107504" y="1774878"/>
+                <a:ext cx="7831982" cy="4436694"/>
+                <a:chOff x="107504" y="1774878"/>
+                <a:chExt cx="7831982" cy="4436694"/>
+              </a:xfrm>
+            </p:grpSpPr>
+            <p:grpSp>
+              <p:nvGrpSpPr>
+                <p:cNvPr id="21" name="그룹 20"/>
+                <p:cNvGrpSpPr/>
+                <p:nvPr/>
+              </p:nvGrpSpPr>
+              <p:grpSpPr>
+                <a:xfrm>
+                  <a:off x="107504" y="2036488"/>
+                  <a:ext cx="7831982" cy="4175084"/>
+                  <a:chOff x="-252536" y="896180"/>
+                  <a:chExt cx="7831982" cy="4175084"/>
+                </a:xfrm>
+              </p:grpSpPr>
+              <p:grpSp>
+                <p:nvGrpSpPr>
+                  <p:cNvPr id="6" name="그룹 5"/>
+                  <p:cNvGrpSpPr/>
+                  <p:nvPr/>
+                </p:nvGrpSpPr>
+                <p:grpSpPr>
+                  <a:xfrm>
+                    <a:off x="-252536" y="896180"/>
+                    <a:ext cx="7200800" cy="4175084"/>
+                    <a:chOff x="-753938" y="530013"/>
+                    <a:chExt cx="8587878" cy="5490893"/>
+                  </a:xfrm>
+                </p:grpSpPr>
+                <p:sp>
+                  <p:nvSpPr>
+                    <p:cNvPr id="4" name="직사각형 3"/>
+                    <p:cNvSpPr/>
+                    <p:nvPr/>
+                  </p:nvSpPr>
+                  <p:spPr>
+                    <a:xfrm>
+                      <a:off x="-508130" y="5253586"/>
+                      <a:ext cx="2058175" cy="313201"/>
+                    </a:xfrm>
+                    <a:prstGeom prst="rect">
+                      <a:avLst/>
+                    </a:prstGeom>
+                    <a:noFill/>
+                    <a:ln>
+                      <a:noFill/>
+                    </a:ln>
+                  </p:spPr>
+                  <p:style>
+                    <a:lnRef idx="2">
+                      <a:schemeClr val="accent1">
+                        <a:shade val="50000"/>
+                      </a:schemeClr>
+                    </a:lnRef>
+                    <a:fillRef idx="1">
+                      <a:schemeClr val="accent1"/>
+                    </a:fillRef>
+                    <a:effectRef idx="0">
+                      <a:schemeClr val="accent1"/>
+                    </a:effectRef>
+                    <a:fontRef idx="minor">
+                      <a:schemeClr val="lt1"/>
+                    </a:fontRef>
+                  </p:style>
+                  <p:txBody>
+                    <a:bodyPr rtlCol="0" anchor="ctr"/>
+                    <a:lstStyle/>
+                    <a:p>
+                      <a:pPr algn="r"/>
+                      <a:r>
+                        <a:rPr lang="ko-KR" altLang="en-US" sz="1000" dirty="0" smtClean="0">
+                          <a:solidFill>
+                            <a:schemeClr val="tx1"/>
+                          </a:solidFill>
+                        </a:rPr>
+                        <a:t>안전운전 의무 불이행</a:t>
+                      </a:r>
+                      <a:endParaRPr lang="ko-KR" altLang="en-US" sz="1000" dirty="0">
+                        <a:solidFill>
+                          <a:schemeClr val="tx1"/>
+                        </a:solidFill>
+                      </a:endParaRPr>
+                    </a:p>
+                  </p:txBody>
+                </p:sp>
+                <p:sp>
+                  <p:nvSpPr>
+                    <p:cNvPr id="7" name="직사각형 6"/>
+                    <p:cNvSpPr/>
+                    <p:nvPr/>
+                  </p:nvSpPr>
+                  <p:spPr>
+                    <a:xfrm>
+                      <a:off x="0" y="4943549"/>
+                      <a:ext cx="1551600" cy="297556"/>
+                    </a:xfrm>
+                    <a:prstGeom prst="rect">
+                      <a:avLst/>
+                    </a:prstGeom>
+                    <a:noFill/>
+                    <a:ln>
+                      <a:noFill/>
+                    </a:ln>
+                  </p:spPr>
+                  <p:style>
+                    <a:lnRef idx="2">
+                      <a:schemeClr val="accent1">
+                        <a:shade val="50000"/>
+                      </a:schemeClr>
+                    </a:lnRef>
+                    <a:fillRef idx="1">
+                      <a:schemeClr val="accent1"/>
+                    </a:fillRef>
+                    <a:effectRef idx="0">
+                      <a:schemeClr val="accent1"/>
+                    </a:effectRef>
+                    <a:fontRef idx="minor">
+                      <a:schemeClr val="lt1"/>
+                    </a:fontRef>
+                  </p:style>
+                  <p:txBody>
+                    <a:bodyPr rtlCol="0" anchor="ctr"/>
+                    <a:lstStyle/>
+                    <a:p>
+                      <a:pPr algn="r"/>
+                      <a:r>
+                        <a:rPr lang="ko-KR" altLang="en-US" sz="1000" dirty="0" smtClean="0">
+                          <a:solidFill>
+                            <a:schemeClr val="tx1"/>
+                          </a:solidFill>
+                        </a:rPr>
+                        <a:t>신호위반</a:t>
+                      </a:r>
+                      <a:endParaRPr lang="ko-KR" altLang="en-US" sz="1000" dirty="0">
+                        <a:solidFill>
+                          <a:schemeClr val="tx1"/>
+                        </a:solidFill>
+                      </a:endParaRPr>
+                    </a:p>
+                  </p:txBody>
+                </p:sp>
+                <p:sp>
+                  <p:nvSpPr>
+                    <p:cNvPr id="8" name="직사각형 7"/>
+                    <p:cNvSpPr/>
+                    <p:nvPr/>
+                  </p:nvSpPr>
+                  <p:spPr>
+                    <a:xfrm>
+                      <a:off x="0" y="4626367"/>
+                      <a:ext cx="1551600" cy="297556"/>
+                    </a:xfrm>
+                    <a:prstGeom prst="rect">
+                      <a:avLst/>
+                    </a:prstGeom>
+                    <a:noFill/>
+                    <a:ln>
+                      <a:noFill/>
+                    </a:ln>
+                  </p:spPr>
+                  <p:style>
+                    <a:lnRef idx="2">
+                      <a:schemeClr val="accent1">
+                        <a:shade val="50000"/>
+                      </a:schemeClr>
+                    </a:lnRef>
+                    <a:fillRef idx="1">
+                      <a:schemeClr val="accent1"/>
+                    </a:fillRef>
+                    <a:effectRef idx="0">
+                      <a:schemeClr val="accent1"/>
+                    </a:effectRef>
+                    <a:fontRef idx="minor">
+                      <a:schemeClr val="lt1"/>
+                    </a:fontRef>
+                  </p:style>
+                  <p:txBody>
+                    <a:bodyPr rtlCol="0" anchor="ctr"/>
+                    <a:lstStyle/>
+                    <a:p>
+                      <a:pPr algn="r"/>
+                      <a:r>
+                        <a:rPr lang="ko-KR" altLang="en-US" sz="1000" dirty="0" smtClean="0">
+                          <a:solidFill>
+                            <a:schemeClr val="tx1"/>
+                          </a:solidFill>
+                        </a:rPr>
+                        <a:t>안전거리 미확보</a:t>
+                      </a:r>
+                      <a:endParaRPr lang="ko-KR" altLang="en-US" sz="1000" dirty="0">
+                        <a:solidFill>
+                          <a:schemeClr val="tx1"/>
+                        </a:solidFill>
+                      </a:endParaRPr>
+                    </a:p>
+                  </p:txBody>
+                </p:sp>
+                <p:sp>
+                  <p:nvSpPr>
+                    <p:cNvPr id="9" name="직사각형 8"/>
+                    <p:cNvSpPr/>
+                    <p:nvPr/>
+                  </p:nvSpPr>
+                  <p:spPr>
+                    <a:xfrm>
+                      <a:off x="-106033" y="4312144"/>
+                      <a:ext cx="1657633" cy="297556"/>
+                    </a:xfrm>
+                    <a:prstGeom prst="rect">
+                      <a:avLst/>
+                    </a:prstGeom>
+                    <a:noFill/>
+                    <a:ln>
+                      <a:noFill/>
+                    </a:ln>
+                  </p:spPr>
+                  <p:style>
+                    <a:lnRef idx="2">
+                      <a:schemeClr val="accent1">
+                        <a:shade val="50000"/>
+                      </a:schemeClr>
+                    </a:lnRef>
+                    <a:fillRef idx="1">
+                      <a:schemeClr val="accent1"/>
+                    </a:fillRef>
+                    <a:effectRef idx="0">
+                      <a:schemeClr val="accent1"/>
+                    </a:effectRef>
+                    <a:fontRef idx="minor">
+                      <a:schemeClr val="lt1"/>
+                    </a:fontRef>
+                  </p:style>
+                  <p:txBody>
+                    <a:bodyPr rtlCol="0" anchor="ctr"/>
+                    <a:lstStyle/>
+                    <a:p>
+                      <a:pPr algn="r"/>
+                      <a:r>
+                        <a:rPr lang="ko-KR" altLang="en-US" sz="1000" dirty="0" smtClean="0">
+                          <a:solidFill>
+                            <a:schemeClr val="tx1"/>
+                          </a:solidFill>
+                        </a:rPr>
+                        <a:t>교차로 통행방법 위반</a:t>
+                      </a:r>
+                      <a:endParaRPr lang="ko-KR" altLang="en-US" sz="1000" dirty="0">
+                        <a:solidFill>
+                          <a:schemeClr val="tx1"/>
+                        </a:solidFill>
+                      </a:endParaRPr>
+                    </a:p>
+                  </p:txBody>
+                </p:sp>
+                <p:sp>
+                  <p:nvSpPr>
+                    <p:cNvPr id="10" name="직사각형 9"/>
+                    <p:cNvSpPr/>
+                    <p:nvPr/>
+                  </p:nvSpPr>
+                  <p:spPr>
+                    <a:xfrm>
+                      <a:off x="-106033" y="4002682"/>
+                      <a:ext cx="1657633" cy="297556"/>
+                    </a:xfrm>
+                    <a:prstGeom prst="rect">
+                      <a:avLst/>
+                    </a:prstGeom>
+                    <a:noFill/>
+                    <a:ln>
+                      <a:noFill/>
+                    </a:ln>
+                  </p:spPr>
+                  <p:style>
+                    <a:lnRef idx="2">
+                      <a:schemeClr val="accent1">
+                        <a:shade val="50000"/>
+                      </a:schemeClr>
+                    </a:lnRef>
+                    <a:fillRef idx="1">
+                      <a:schemeClr val="accent1"/>
+                    </a:fillRef>
+                    <a:effectRef idx="0">
+                      <a:schemeClr val="accent1"/>
+                    </a:effectRef>
+                    <a:fontRef idx="minor">
+                      <a:schemeClr val="lt1"/>
+                    </a:fontRef>
+                  </p:style>
+                  <p:txBody>
+                    <a:bodyPr rtlCol="0" anchor="ctr"/>
+                    <a:lstStyle/>
+                    <a:p>
+                      <a:pPr algn="r"/>
+                      <a:r>
+                        <a:rPr lang="ko-KR" altLang="en-US" sz="1000" dirty="0" smtClean="0">
+                          <a:solidFill>
+                            <a:schemeClr val="tx1"/>
+                          </a:solidFill>
+                        </a:rPr>
+                        <a:t>중앙선 침범</a:t>
+                      </a:r>
+                      <a:endParaRPr lang="ko-KR" altLang="en-US" sz="1000" dirty="0">
+                        <a:solidFill>
+                          <a:schemeClr val="tx1"/>
+                        </a:solidFill>
+                      </a:endParaRPr>
+                    </a:p>
+                  </p:txBody>
+                </p:sp>
+                <p:sp>
+                  <p:nvSpPr>
+                    <p:cNvPr id="11" name="직사각형 10"/>
+                    <p:cNvSpPr/>
+                    <p:nvPr/>
+                  </p:nvSpPr>
+                  <p:spPr>
+                    <a:xfrm>
+                      <a:off x="-753938" y="3688460"/>
+                      <a:ext cx="2305538" cy="297556"/>
+                    </a:xfrm>
+                    <a:prstGeom prst="rect">
+                      <a:avLst/>
+                    </a:prstGeom>
+                    <a:noFill/>
+                    <a:ln>
+                      <a:noFill/>
+                    </a:ln>
+                  </p:spPr>
+                  <p:style>
+                    <a:lnRef idx="2">
+                      <a:schemeClr val="accent1">
+                        <a:shade val="50000"/>
+                      </a:schemeClr>
+                    </a:lnRef>
+                    <a:fillRef idx="1">
+                      <a:schemeClr val="accent1"/>
+                    </a:fillRef>
+                    <a:effectRef idx="0">
+                      <a:schemeClr val="accent1"/>
+                    </a:effectRef>
+                    <a:fontRef idx="minor">
+                      <a:schemeClr val="lt1"/>
+                    </a:fontRef>
+                  </p:style>
+                  <p:txBody>
+                    <a:bodyPr rtlCol="0" anchor="ctr"/>
+                    <a:lstStyle/>
+                    <a:p>
+                      <a:pPr algn="r"/>
+                      <a:r>
+                        <a:rPr lang="ko-KR" altLang="en-US" sz="1000" dirty="0" smtClean="0">
+                          <a:solidFill>
+                            <a:schemeClr val="tx1"/>
+                          </a:solidFill>
+                        </a:rPr>
+                        <a:t>직진 및 우회전차의 통행방해</a:t>
+                      </a:r>
+                      <a:endParaRPr lang="ko-KR" altLang="en-US" sz="1000" dirty="0">
+                        <a:solidFill>
+                          <a:schemeClr val="tx1"/>
+                        </a:solidFill>
+                      </a:endParaRPr>
+                    </a:p>
+                  </p:txBody>
+                </p:sp>
+                <p:sp>
+                  <p:nvSpPr>
+                    <p:cNvPr id="12" name="직사각형 11"/>
+                    <p:cNvSpPr/>
+                    <p:nvPr/>
+                  </p:nvSpPr>
+                  <p:spPr>
+                    <a:xfrm>
+                      <a:off x="-753937" y="3367094"/>
+                      <a:ext cx="2305538" cy="297556"/>
+                    </a:xfrm>
+                    <a:prstGeom prst="rect">
+                      <a:avLst/>
+                    </a:prstGeom>
+                    <a:noFill/>
+                    <a:ln>
+                      <a:noFill/>
+                    </a:ln>
+                  </p:spPr>
+                  <p:style>
+                    <a:lnRef idx="2">
+                      <a:schemeClr val="accent1">
+                        <a:shade val="50000"/>
+                      </a:schemeClr>
+                    </a:lnRef>
+                    <a:fillRef idx="1">
+                      <a:schemeClr val="accent1"/>
+                    </a:fillRef>
+                    <a:effectRef idx="0">
+                      <a:schemeClr val="accent1"/>
+                    </a:effectRef>
+                    <a:fontRef idx="minor">
+                      <a:schemeClr val="lt1"/>
+                    </a:fontRef>
+                  </p:style>
+                  <p:txBody>
+                    <a:bodyPr rtlCol="0" anchor="ctr"/>
+                    <a:lstStyle/>
+                    <a:p>
+                      <a:pPr algn="r"/>
+                      <a:r>
+                        <a:rPr lang="ko-KR" altLang="en-US" sz="1000" dirty="0" smtClean="0">
+                          <a:solidFill>
+                            <a:schemeClr val="tx1"/>
+                          </a:solidFill>
+                        </a:rPr>
+                        <a:t>보행자 보호의무 위반</a:t>
+                      </a:r>
+                      <a:endParaRPr lang="ko-KR" altLang="en-US" sz="1000" dirty="0">
+                        <a:solidFill>
+                          <a:schemeClr val="tx1"/>
+                        </a:solidFill>
+                      </a:endParaRPr>
+                    </a:p>
+                  </p:txBody>
+                </p:sp>
+                <p:sp>
+                  <p:nvSpPr>
+                    <p:cNvPr id="13" name="직사각형 12"/>
+                    <p:cNvSpPr/>
+                    <p:nvPr/>
+                  </p:nvSpPr>
+                  <p:spPr>
+                    <a:xfrm>
+                      <a:off x="0" y="3057055"/>
+                      <a:ext cx="1551600" cy="297556"/>
+                    </a:xfrm>
+                    <a:prstGeom prst="rect">
+                      <a:avLst/>
+                    </a:prstGeom>
+                    <a:noFill/>
+                    <a:ln>
+                      <a:noFill/>
+                    </a:ln>
+                  </p:spPr>
+                  <p:style>
+                    <a:lnRef idx="2">
+                      <a:schemeClr val="accent1">
+                        <a:shade val="50000"/>
+                      </a:schemeClr>
+                    </a:lnRef>
+                    <a:fillRef idx="1">
+                      <a:schemeClr val="accent1"/>
+                    </a:fillRef>
+                    <a:effectRef idx="0">
+                      <a:schemeClr val="accent1"/>
+                    </a:effectRef>
+                    <a:fontRef idx="minor">
+                      <a:schemeClr val="lt1"/>
+                    </a:fontRef>
+                  </p:style>
+                  <p:txBody>
+                    <a:bodyPr rtlCol="0" anchor="ctr"/>
+                    <a:lstStyle/>
+                    <a:p>
+                      <a:pPr algn="r"/>
+                      <a:r>
+                        <a:rPr lang="ko-KR" altLang="en-US" sz="1000" dirty="0" smtClean="0">
+                          <a:solidFill>
+                            <a:schemeClr val="tx1"/>
+                          </a:solidFill>
+                        </a:rPr>
+                        <a:t>기타</a:t>
+                      </a:r>
+                      <a:endParaRPr lang="ko-KR" altLang="en-US" sz="1000" dirty="0">
+                        <a:solidFill>
+                          <a:schemeClr val="tx1"/>
+                        </a:solidFill>
+                      </a:endParaRPr>
+                    </a:p>
+                  </p:txBody>
+                </p:sp>
+                <p:sp>
+                  <p:nvSpPr>
+                    <p:cNvPr id="14" name="직사각형 13"/>
+                    <p:cNvSpPr/>
+                    <p:nvPr/>
+                  </p:nvSpPr>
+                  <p:spPr>
+                    <a:xfrm>
+                      <a:off x="-753937" y="2740451"/>
+                      <a:ext cx="2305539" cy="297558"/>
+                    </a:xfrm>
+                    <a:prstGeom prst="rect">
+                      <a:avLst/>
+                    </a:prstGeom>
+                    <a:noFill/>
+                    <a:ln>
+                      <a:noFill/>
+                    </a:ln>
+                  </p:spPr>
+                  <p:style>
+                    <a:lnRef idx="2">
+                      <a:schemeClr val="accent1">
+                        <a:shade val="50000"/>
+                      </a:schemeClr>
+                    </a:lnRef>
+                    <a:fillRef idx="1">
+                      <a:schemeClr val="accent1"/>
+                    </a:fillRef>
+                    <a:effectRef idx="0">
+                      <a:schemeClr val="accent1"/>
+                    </a:effectRef>
+                    <a:fontRef idx="minor">
+                      <a:schemeClr val="lt1"/>
+                    </a:fontRef>
+                  </p:style>
+                  <p:txBody>
+                    <a:bodyPr rtlCol="0" anchor="ctr"/>
+                    <a:lstStyle/>
+                    <a:p>
+                      <a:pPr algn="r"/>
+                      <a:r>
+                        <a:rPr lang="ko-KR" altLang="en-US" sz="1000" dirty="0" err="1" smtClean="0">
+                          <a:solidFill>
+                            <a:schemeClr val="tx1"/>
+                          </a:solidFill>
+                        </a:rPr>
+                        <a:t>차로위반</a:t>
+                      </a:r>
+                      <a:r>
+                        <a:rPr lang="en-US" altLang="ko-KR" sz="1000" dirty="0" smtClean="0">
+                          <a:solidFill>
+                            <a:schemeClr val="tx1"/>
+                          </a:solidFill>
+                        </a:rPr>
+                        <a:t>(</a:t>
+                      </a:r>
+                      <a:r>
+                        <a:rPr lang="ko-KR" altLang="en-US" sz="1000" dirty="0" smtClean="0">
+                          <a:solidFill>
+                            <a:schemeClr val="tx1"/>
+                          </a:solidFill>
+                        </a:rPr>
+                        <a:t>진로변경 위반</a:t>
+                      </a:r>
+                      <a:r>
+                        <a:rPr lang="en-US" altLang="ko-KR" sz="1000" dirty="0" smtClean="0">
+                          <a:solidFill>
+                            <a:schemeClr val="tx1"/>
+                          </a:solidFill>
+                        </a:rPr>
+                        <a:t>)</a:t>
+                      </a:r>
+                      <a:endParaRPr lang="ko-KR" altLang="en-US" sz="1000" dirty="0">
+                        <a:solidFill>
+                          <a:schemeClr val="tx1"/>
+                        </a:solidFill>
+                      </a:endParaRPr>
+                    </a:p>
+                  </p:txBody>
+                </p:sp>
+                <p:sp>
+                  <p:nvSpPr>
+                    <p:cNvPr id="15" name="직사각형 14"/>
+                    <p:cNvSpPr/>
+                    <p:nvPr/>
+                  </p:nvSpPr>
+                  <p:spPr>
+                    <a:xfrm>
+                      <a:off x="0" y="2423269"/>
+                      <a:ext cx="1551600" cy="297556"/>
+                    </a:xfrm>
+                    <a:prstGeom prst="rect">
+                      <a:avLst/>
+                    </a:prstGeom>
+                    <a:noFill/>
+                    <a:ln>
+                      <a:noFill/>
+                    </a:ln>
+                  </p:spPr>
+                  <p:style>
+                    <a:lnRef idx="2">
+                      <a:schemeClr val="accent1">
+                        <a:shade val="50000"/>
+                      </a:schemeClr>
+                    </a:lnRef>
+                    <a:fillRef idx="1">
+                      <a:schemeClr val="accent1"/>
+                    </a:fillRef>
+                    <a:effectRef idx="0">
+                      <a:schemeClr val="accent1"/>
+                    </a:effectRef>
+                    <a:fontRef idx="minor">
+                      <a:schemeClr val="lt1"/>
+                    </a:fontRef>
+                  </p:style>
+                  <p:txBody>
+                    <a:bodyPr rtlCol="0" anchor="ctr"/>
+                    <a:lstStyle/>
+                    <a:p>
+                      <a:pPr algn="r"/>
+                      <a:r>
+                        <a:rPr lang="ko-KR" altLang="en-US" sz="1000" dirty="0" smtClean="0">
+                          <a:solidFill>
+                            <a:schemeClr val="tx1"/>
+                          </a:solidFill>
+                        </a:rPr>
+                        <a:t>부당한 회전</a:t>
+                      </a:r>
+                      <a:endParaRPr lang="ko-KR" altLang="en-US" sz="1000" dirty="0">
+                        <a:solidFill>
+                          <a:schemeClr val="tx1"/>
+                        </a:solidFill>
+                      </a:endParaRPr>
+                    </a:p>
+                  </p:txBody>
+                </p:sp>
+                <p:sp>
+                  <p:nvSpPr>
+                    <p:cNvPr id="16" name="직사각형 15"/>
+                    <p:cNvSpPr/>
+                    <p:nvPr/>
+                  </p:nvSpPr>
+                  <p:spPr>
+                    <a:xfrm>
+                      <a:off x="-672003" y="2111427"/>
+                      <a:ext cx="2223603" cy="297556"/>
+                    </a:xfrm>
+                    <a:prstGeom prst="rect">
+                      <a:avLst/>
+                    </a:prstGeom>
+                    <a:noFill/>
+                    <a:ln>
+                      <a:noFill/>
+                    </a:ln>
+                  </p:spPr>
+                  <p:style>
+                    <a:lnRef idx="2">
+                      <a:schemeClr val="accent1">
+                        <a:shade val="50000"/>
+                      </a:schemeClr>
+                    </a:lnRef>
+                    <a:fillRef idx="1">
+                      <a:schemeClr val="accent1"/>
+                    </a:fillRef>
+                    <a:effectRef idx="0">
+                      <a:schemeClr val="accent1"/>
+                    </a:effectRef>
+                    <a:fontRef idx="minor">
+                      <a:schemeClr val="lt1"/>
+                    </a:fontRef>
+                  </p:style>
+                  <p:txBody>
+                    <a:bodyPr rtlCol="0" anchor="ctr"/>
+                    <a:lstStyle/>
+                    <a:p>
+                      <a:pPr algn="r"/>
+                      <a:r>
+                        <a:rPr lang="ko-KR" altLang="en-US" sz="1000" dirty="0" smtClean="0">
+                          <a:solidFill>
+                            <a:schemeClr val="tx1"/>
+                          </a:solidFill>
+                        </a:rPr>
+                        <a:t>서행 및 </a:t>
+                      </a:r>
+                      <a:r>
+                        <a:rPr lang="ko-KR" altLang="en-US" sz="1000" dirty="0" err="1" smtClean="0">
+                          <a:solidFill>
+                            <a:schemeClr val="tx1"/>
+                          </a:solidFill>
+                        </a:rPr>
+                        <a:t>일시정지</a:t>
+                      </a:r>
+                      <a:r>
+                        <a:rPr lang="ko-KR" altLang="en-US" sz="1000" dirty="0" smtClean="0">
+                          <a:solidFill>
+                            <a:schemeClr val="tx1"/>
+                          </a:solidFill>
+                        </a:rPr>
+                        <a:t> 위반</a:t>
+                      </a:r>
+                      <a:endParaRPr lang="ko-KR" altLang="en-US" sz="1000" dirty="0">
+                        <a:solidFill>
+                          <a:schemeClr val="tx1"/>
+                        </a:solidFill>
+                      </a:endParaRPr>
+                    </a:p>
+                  </p:txBody>
+                </p:sp>
+                <p:sp>
+                  <p:nvSpPr>
+                    <p:cNvPr id="17" name="직사각형 16"/>
+                    <p:cNvSpPr/>
+                    <p:nvPr/>
+                  </p:nvSpPr>
+                  <p:spPr>
+                    <a:xfrm>
+                      <a:off x="-508130" y="1791864"/>
+                      <a:ext cx="2059731" cy="297556"/>
+                    </a:xfrm>
+                    <a:prstGeom prst="rect">
+                      <a:avLst/>
+                    </a:prstGeom>
+                    <a:noFill/>
+                    <a:ln>
+                      <a:noFill/>
+                    </a:ln>
+                  </p:spPr>
+                  <p:style>
+                    <a:lnRef idx="2">
+                      <a:schemeClr val="accent1">
+                        <a:shade val="50000"/>
+                      </a:schemeClr>
+                    </a:lnRef>
+                    <a:fillRef idx="1">
+                      <a:schemeClr val="accent1"/>
+                    </a:fillRef>
+                    <a:effectRef idx="0">
+                      <a:schemeClr val="accent1"/>
+                    </a:effectRef>
+                    <a:fontRef idx="minor">
+                      <a:schemeClr val="lt1"/>
+                    </a:fontRef>
+                  </p:style>
+                  <p:txBody>
+                    <a:bodyPr rtlCol="0" anchor="ctr"/>
+                    <a:lstStyle/>
+                    <a:p>
+                      <a:pPr algn="r"/>
+                      <a:r>
+                        <a:rPr lang="ko-KR" altLang="en-US" sz="1000" dirty="0" smtClean="0">
+                          <a:solidFill>
+                            <a:schemeClr val="tx1"/>
+                          </a:solidFill>
+                        </a:rPr>
+                        <a:t>앞지르기 금지위반</a:t>
+                      </a:r>
+                      <a:endParaRPr lang="ko-KR" altLang="en-US" sz="1000" dirty="0">
+                        <a:solidFill>
+                          <a:schemeClr val="tx1"/>
+                        </a:solidFill>
+                      </a:endParaRPr>
+                    </a:p>
+                  </p:txBody>
+                </p:sp>
+                <p:sp>
+                  <p:nvSpPr>
+                    <p:cNvPr id="18" name="직사각형 17"/>
+                    <p:cNvSpPr/>
+                    <p:nvPr/>
+                  </p:nvSpPr>
+                  <p:spPr>
+                    <a:xfrm>
+                      <a:off x="0" y="1484784"/>
+                      <a:ext cx="1551600" cy="297556"/>
+                    </a:xfrm>
+                    <a:prstGeom prst="rect">
+                      <a:avLst/>
+                    </a:prstGeom>
+                    <a:noFill/>
+                    <a:ln>
+                      <a:noFill/>
+                    </a:ln>
+                  </p:spPr>
+                  <p:style>
+                    <a:lnRef idx="2">
+                      <a:schemeClr val="accent1">
+                        <a:shade val="50000"/>
+                      </a:schemeClr>
+                    </a:lnRef>
+                    <a:fillRef idx="1">
+                      <a:schemeClr val="accent1"/>
+                    </a:fillRef>
+                    <a:effectRef idx="0">
+                      <a:schemeClr val="accent1"/>
+                    </a:effectRef>
+                    <a:fontRef idx="minor">
+                      <a:schemeClr val="lt1"/>
+                    </a:fontRef>
+                  </p:style>
+                  <p:txBody>
+                    <a:bodyPr rtlCol="0" anchor="ctr"/>
+                    <a:lstStyle/>
+                    <a:p>
+                      <a:pPr algn="r"/>
+                      <a:r>
+                        <a:rPr lang="ko-KR" altLang="en-US" sz="1000" dirty="0" smtClean="0">
+                          <a:solidFill>
+                            <a:schemeClr val="tx1"/>
+                          </a:solidFill>
+                        </a:rPr>
+                        <a:t>과속</a:t>
+                      </a:r>
+                      <a:endParaRPr lang="ko-KR" altLang="en-US" sz="1000" dirty="0">
+                        <a:solidFill>
+                          <a:schemeClr val="tx1"/>
+                        </a:solidFill>
+                      </a:endParaRPr>
+                    </a:p>
+                  </p:txBody>
+                </p:sp>
+                <p:sp>
+                  <p:nvSpPr>
+                    <p:cNvPr id="19" name="직사각형 18"/>
+                    <p:cNvSpPr/>
+                    <p:nvPr/>
+                  </p:nvSpPr>
+                  <p:spPr>
+                    <a:xfrm>
+                      <a:off x="-590066" y="870045"/>
+                      <a:ext cx="2141667" cy="297556"/>
+                    </a:xfrm>
+                    <a:prstGeom prst="rect">
+                      <a:avLst/>
+                    </a:prstGeom>
+                    <a:noFill/>
+                    <a:ln>
+                      <a:noFill/>
+                    </a:ln>
+                  </p:spPr>
+                  <p:style>
+                    <a:lnRef idx="2">
+                      <a:schemeClr val="accent1">
+                        <a:shade val="50000"/>
+                      </a:schemeClr>
+                    </a:lnRef>
+                    <a:fillRef idx="1">
+                      <a:schemeClr val="accent1"/>
+                    </a:fillRef>
+                    <a:effectRef idx="0">
+                      <a:schemeClr val="accent1"/>
+                    </a:effectRef>
+                    <a:fontRef idx="minor">
+                      <a:schemeClr val="lt1"/>
+                    </a:fontRef>
+                  </p:style>
+                  <p:txBody>
+                    <a:bodyPr rtlCol="0" anchor="ctr"/>
+                    <a:lstStyle/>
+                    <a:p>
+                      <a:pPr algn="r"/>
+                      <a:r>
+                        <a:rPr lang="ko-KR" altLang="en-US" sz="1000" dirty="0" smtClean="0">
+                          <a:solidFill>
+                            <a:schemeClr val="tx1"/>
+                          </a:solidFill>
+                        </a:rPr>
+                        <a:t>진로양보 의무 불이행</a:t>
+                      </a:r>
+                      <a:endParaRPr lang="ko-KR" altLang="en-US" sz="1000" dirty="0">
+                        <a:solidFill>
+                          <a:schemeClr val="tx1"/>
+                        </a:solidFill>
+                      </a:endParaRPr>
+                    </a:p>
+                  </p:txBody>
+                </p:sp>
+                <p:sp>
+                  <p:nvSpPr>
+                    <p:cNvPr id="20" name="직사각형 19"/>
+                    <p:cNvSpPr/>
+                    <p:nvPr/>
+                  </p:nvSpPr>
+                  <p:spPr>
+                    <a:xfrm>
+                      <a:off x="-672001" y="1170561"/>
+                      <a:ext cx="2223602" cy="297556"/>
+                    </a:xfrm>
+                    <a:prstGeom prst="rect">
+                      <a:avLst/>
+                    </a:prstGeom>
+                    <a:noFill/>
+                    <a:ln>
+                      <a:noFill/>
+                    </a:ln>
+                  </p:spPr>
+                  <p:style>
+                    <a:lnRef idx="2">
+                      <a:schemeClr val="accent1">
+                        <a:shade val="50000"/>
+                      </a:schemeClr>
+                    </a:lnRef>
+                    <a:fillRef idx="1">
+                      <a:schemeClr val="accent1"/>
+                    </a:fillRef>
+                    <a:effectRef idx="0">
+                      <a:schemeClr val="accent1"/>
+                    </a:effectRef>
+                    <a:fontRef idx="minor">
+                      <a:schemeClr val="lt1"/>
+                    </a:fontRef>
+                  </p:style>
+                  <p:txBody>
+                    <a:bodyPr rtlCol="0" anchor="ctr"/>
+                    <a:lstStyle/>
+                    <a:p>
+                      <a:pPr algn="r"/>
+                      <a:r>
+                        <a:rPr lang="ko-KR" altLang="en-US" sz="1000" dirty="0" smtClean="0">
+                          <a:solidFill>
+                            <a:schemeClr val="tx1"/>
+                          </a:solidFill>
+                        </a:rPr>
+                        <a:t>앞지르기 방법위반</a:t>
+                      </a:r>
+                      <a:endParaRPr lang="ko-KR" altLang="en-US" sz="1000" dirty="0">
+                        <a:solidFill>
+                          <a:schemeClr val="tx1"/>
+                        </a:solidFill>
+                      </a:endParaRPr>
+                    </a:p>
+                  </p:txBody>
+                </p:sp>
+                <p:pic>
+                  <p:nvPicPr>
+                    <p:cNvPr id="1027" name="Picture 3"/>
+                    <p:cNvPicPr>
+                      <a:picLocks noChangeAspect="1" noChangeArrowheads="1"/>
+                    </p:cNvPicPr>
+                    <p:nvPr/>
+                  </p:nvPicPr>
+                  <p:blipFill>
+                    <a:blip r:embed="rId2">
+                      <a:extLst>
+                        <a:ext uri="{28A0092B-C50C-407E-A947-70E740481C1C}">
+                          <a14:useLocalDpi xmlns:a14="http://schemas.microsoft.com/office/drawing/2010/main" val="0"/>
+                        </a:ext>
+                      </a:extLst>
+                    </a:blip>
+                    <a:srcRect/>
+                    <a:stretch>
+                      <a:fillRect/>
+                    </a:stretch>
+                  </p:blipFill>
+                  <p:spPr bwMode="auto">
+                    <a:xfrm>
+                      <a:off x="1475656" y="530013"/>
+                      <a:ext cx="6358284" cy="5490893"/>
+                    </a:xfrm>
+                    <a:prstGeom prst="rect">
+                      <a:avLst/>
+                    </a:prstGeom>
+                    <a:noFill/>
+                    <a:ln>
+                      <a:noFill/>
+                    </a:ln>
+                    <a:extLst>
+                      <a:ext uri="{909E8E84-426E-40DD-AFC4-6F175D3DCCD1}">
+                        <a14:hiddenFill xmlns:a14="http://schemas.microsoft.com/office/drawing/2010/main">
+                          <a:solidFill>
+                            <a:schemeClr val="accent1"/>
+                          </a:solidFill>
+                        </a14:hiddenFill>
+                      </a:ext>
+                      <a:ext uri="{91240B29-F687-4F45-9708-019B960494DF}">
+                        <a14:hiddenLine xmlns:a14="http://schemas.microsoft.com/office/drawing/2010/main" w="9525">
+                          <a:solidFill>
+                            <a:schemeClr val="tx1"/>
+                          </a:solidFill>
+                          <a:miter lim="800000"/>
+                          <a:headEnd/>
+                          <a:tailEnd/>
+                        </a14:hiddenLine>
+                      </a:ext>
+                    </a:extLst>
+                  </p:spPr>
+                </p:pic>
+              </p:grpSp>
+              <p:pic>
+                <p:nvPicPr>
+                  <p:cNvPr id="1028" name="Picture 4"/>
+                  <p:cNvPicPr>
+                    <a:picLocks noChangeAspect="1" noChangeArrowheads="1"/>
+                  </p:cNvPicPr>
+                  <p:nvPr/>
+                </p:nvPicPr>
+                <p:blipFill>
+                  <a:blip r:embed="rId3">
+                    <a:extLst>
+                      <a:ext uri="{28A0092B-C50C-407E-A947-70E740481C1C}">
+                        <a14:useLocalDpi xmlns:a14="http://schemas.microsoft.com/office/drawing/2010/main" val="0"/>
+                      </a:ext>
+                    </a:extLst>
+                  </a:blip>
+                  <a:srcRect/>
+                  <a:stretch>
+                    <a:fillRect/>
+                  </a:stretch>
+                </p:blipFill>
+                <p:spPr bwMode="auto">
+                  <a:xfrm>
+                    <a:off x="6804248" y="896180"/>
+                    <a:ext cx="775198" cy="3927169"/>
+                  </a:xfrm>
+                  <a:prstGeom prst="rect">
+                    <a:avLst/>
+                  </a:prstGeom>
+                  <a:noFill/>
+                  <a:ln>
+                    <a:noFill/>
+                  </a:ln>
+                  <a:extLst>
+                    <a:ext uri="{909E8E84-426E-40DD-AFC4-6F175D3DCCD1}">
+                      <a14:hiddenFill xmlns:a14="http://schemas.microsoft.com/office/drawing/2010/main">
+                        <a:solidFill>
+                          <a:schemeClr val="accent1"/>
+                        </a:solidFill>
+                      </a14:hiddenFill>
+                    </a:ext>
+                    <a:ext uri="{91240B29-F687-4F45-9708-019B960494DF}">
+                      <a14:hiddenLine xmlns:a14="http://schemas.microsoft.com/office/drawing/2010/main" w="9525">
+                        <a:solidFill>
+                          <a:schemeClr val="tx1"/>
+                        </a:solidFill>
+                        <a:miter lim="800000"/>
+                        <a:headEnd/>
+                        <a:tailEnd/>
+                      </a14:hiddenLine>
+                    </a:ext>
+                  </a:extLst>
+                </p:spPr>
+              </p:pic>
+            </p:grpSp>
+            <p:sp>
+              <p:nvSpPr>
+                <p:cNvPr id="27" name="직사각형 26"/>
+                <p:cNvSpPr/>
+                <p:nvPr/>
+              </p:nvSpPr>
+              <p:spPr>
+                <a:xfrm>
+                  <a:off x="7003708" y="1774878"/>
+                  <a:ext cx="935778" cy="261610"/>
+                </a:xfrm>
+                <a:prstGeom prst="rect">
+                  <a:avLst/>
+                </a:prstGeom>
+              </p:spPr>
+              <p:txBody>
+                <a:bodyPr wrap="square">
+                  <a:spAutoFit/>
+                </a:bodyPr>
+                <a:lstStyle/>
+                <a:p>
+                  <a:pPr algn="ctr"/>
+                  <a:r>
+                    <a:rPr lang="en-US" altLang="ko-KR" sz="1050" dirty="0" smtClean="0"/>
+                    <a:t>(</a:t>
+                  </a:r>
+                  <a:r>
+                    <a:rPr lang="ko-KR" altLang="en-US" sz="1050" dirty="0"/>
+                    <a:t>단위</a:t>
+                  </a:r>
+                  <a:r>
+                    <a:rPr lang="en-US" altLang="ko-KR" sz="1050" dirty="0" smtClean="0"/>
+                    <a:t>:</a:t>
+                  </a:r>
+                  <a:r>
+                    <a:rPr lang="ko-KR" altLang="en-US" sz="1050" dirty="0" smtClean="0"/>
+                    <a:t>건</a:t>
+                  </a:r>
+                  <a:r>
+                    <a:rPr lang="en-US" altLang="ko-KR" sz="1050" dirty="0" smtClean="0"/>
+                    <a:t>)</a:t>
+                  </a:r>
+                  <a:endParaRPr lang="ko-KR" altLang="en-US" sz="1050" dirty="0"/>
+                </a:p>
+              </p:txBody>
+            </p:sp>
+          </p:grpSp>
+          <p:pic>
+            <p:nvPicPr>
+              <p:cNvPr id="1030" name="Picture 6" descr="ì í¸ìë° ì´ë¯¸ì§ ê²ìê²°ê³¼"/>
+              <p:cNvPicPr>
+                <a:picLocks noChangeAspect="1" noChangeArrowheads="1"/>
+              </p:cNvPicPr>
+              <p:nvPr/>
+            </p:nvPicPr>
+            <p:blipFill>
+              <a:blip r:embed="rId4" cstate="print">
+                <a:extLst>
+                  <a:ext uri="{28A0092B-C50C-407E-A947-70E740481C1C}">
+                    <a14:useLocalDpi xmlns:a14="http://schemas.microsoft.com/office/drawing/2010/main" val="0"/>
+                  </a:ext>
+                </a:extLst>
+              </a:blip>
+              <a:srcRect/>
+              <a:stretch>
+                <a:fillRect/>
+              </a:stretch>
+            </p:blipFill>
+            <p:spPr bwMode="auto">
+              <a:xfrm>
+                <a:off x="994347" y="1032952"/>
+                <a:ext cx="982636" cy="982636"/>
+              </a:xfrm>
+              <a:prstGeom prst="rect">
+                <a:avLst/>
+              </a:prstGeom>
+              <a:noFill/>
+              <a:extLst>
+                <a:ext uri="{909E8E84-426E-40DD-AFC4-6F175D3DCCD1}">
+                  <a14:hiddenFill xmlns:a14="http://schemas.microsoft.com/office/drawing/2010/main">
+                    <a:solidFill>
+                      <a:srgbClr val="FFFFFF"/>
+                    </a:solidFill>
+                  </a14:hiddenFill>
+                </a:ext>
+              </a:extLst>
+            </p:spPr>
+          </p:pic>
+          <p:sp>
+            <p:nvSpPr>
+              <p:cNvPr id="25" name="직사각형 24"/>
+              <p:cNvSpPr/>
+              <p:nvPr/>
+            </p:nvSpPr>
+            <p:spPr>
+              <a:xfrm>
+                <a:off x="1976983" y="1032952"/>
+                <a:ext cx="1874937" cy="982636"/>
+              </a:xfrm>
+              <a:prstGeom prst="rect">
+                <a:avLst/>
+              </a:prstGeom>
+              <a:noFill/>
+              <a:ln>
+                <a:noFill/>
+              </a:ln>
+            </p:spPr>
+            <p:style>
+              <a:lnRef idx="2">
+                <a:schemeClr val="accent1">
+                  <a:shade val="50000"/>
+                </a:schemeClr>
+              </a:lnRef>
+              <a:fillRef idx="1">
+                <a:schemeClr val="accent1"/>
+              </a:fillRef>
+              <a:effectRef idx="0">
+                <a:schemeClr val="accent1"/>
+              </a:effectRef>
+              <a:fontRef idx="minor">
+                <a:schemeClr val="lt1"/>
+              </a:fontRef>
+            </p:style>
+            <p:txBody>
+              <a:bodyPr rtlCol="0" anchor="ctr"/>
+              <a:lstStyle/>
+              <a:p>
+                <a:r>
+                  <a:rPr lang="ko-KR" altLang="en-US" dirty="0" smtClean="0">
+                    <a:solidFill>
+                      <a:schemeClr val="tx1"/>
+                    </a:solidFill>
+                  </a:rPr>
+                  <a:t>신호위반</a:t>
+                </a:r>
+                <a:endParaRPr lang="en-US" altLang="ko-KR" dirty="0" smtClean="0">
+                  <a:solidFill>
+                    <a:schemeClr val="tx1"/>
+                  </a:solidFill>
+                </a:endParaRPr>
+              </a:p>
+              <a:p>
+                <a:r>
+                  <a:rPr lang="en-US" altLang="ko-KR" sz="4000" dirty="0" smtClean="0">
+                    <a:solidFill>
+                      <a:srgbClr val="FF0000"/>
+                    </a:solidFill>
+                  </a:rPr>
+                  <a:t>12.5%</a:t>
+                </a:r>
+                <a:endParaRPr lang="ko-KR" altLang="en-US" sz="2800" dirty="0">
+                  <a:solidFill>
+                    <a:srgbClr val="FF0000"/>
+                  </a:solidFill>
+                </a:endParaRPr>
+              </a:p>
+            </p:txBody>
+          </p:sp>
+        </p:grpSp>
+      </p:grpSp>
+      <p:sp>
+        <p:nvSpPr>
+          <p:cNvPr id="30" name="TextBox 29"/>
+          <p:cNvSpPr txBox="1"/>
+          <p:nvPr/>
+        </p:nvSpPr>
+        <p:spPr>
+          <a:xfrm>
+            <a:off x="244896" y="1053912"/>
+            <a:ext cx="1107996" cy="369332"/>
+          </a:xfrm>
+          <a:prstGeom prst="rect">
+            <a:avLst/>
+          </a:prstGeom>
+          <a:noFill/>
+        </p:spPr>
+        <p:txBody>
+          <a:bodyPr wrap="none" rtlCol="0">
+            <a:spAutoFit/>
+          </a:bodyPr>
+          <a:lstStyle/>
+          <a:p>
+            <a:r>
+              <a:rPr lang="ko-KR" altLang="en-US" smtClean="0"/>
+              <a:t>법규위반</a:t>
+            </a:r>
+            <a:endParaRPr lang="ko-KR" altLang="en-US"/>
+          </a:p>
+        </p:txBody>
+      </p:sp>
+    </p:spTree>
+    <p:extLst>
+      <p:ext uri="{BB962C8B-B14F-4D97-AF65-F5344CB8AC3E}">
+        <p14:creationId xmlns:p14="http://schemas.microsoft.com/office/powerpoint/2010/main" val="585110126"/>
+      </p:ext>
+    </p:extLst>
+  </p:cSld>
+  <p:clrMapOvr>
+    <a:masterClrMapping/>
+  </p:clrMapOvr>
+  <p:timing>
+    <p:tnLst>
+      <p:par>
+        <p:cTn id="1" dur="indefinite" restart="never" nodeType="tmRoot"/>
+      </p:par>
+    </p:tnLst>
+  </p:timing>
+</p:sld>
+</file>
+
+<file path=ppt/slides/slide3.xml><?xml version="1.0" encoding="utf-8"?>
+<p:sld xmlns:a="http://schemas.openxmlformats.org/drawingml/2006/main" xmlns:r="http://schemas.openxmlformats.org/officeDocument/2006/relationships" xmlns:p="http://schemas.openxmlformats.org/presentationml/2006/main">
+  <p:cSld>
+    <p:spTree>
+      <p:nvGrpSpPr>
+        <p:cNvPr id="1" name=""/>
+        <p:cNvGrpSpPr/>
+        <p:nvPr/>
+      </p:nvGrpSpPr>
+      <p:grpSpPr>
+        <a:xfrm>
+          <a:off x="0" y="0"/>
+          <a:ext cx="0" cy="0"/>
+          <a:chOff x="0" y="0"/>
+          <a:chExt cx="0" cy="0"/>
+        </a:xfrm>
+      </p:grpSpPr>
+      <p:grpSp>
+        <p:nvGrpSpPr>
+          <p:cNvPr id="6" name="그룹 5"/>
+          <p:cNvGrpSpPr/>
+          <p:nvPr/>
+        </p:nvGrpSpPr>
+        <p:grpSpPr>
+          <a:xfrm>
+            <a:off x="107504" y="1124744"/>
+            <a:ext cx="3672408" cy="5472608"/>
+            <a:chOff x="107505" y="1309504"/>
+            <a:chExt cx="1989152" cy="3487648"/>
+          </a:xfrm>
+        </p:grpSpPr>
+        <p:pic>
+          <p:nvPicPr>
+            <p:cNvPr id="1026" name="Picture 2"/>
+            <p:cNvPicPr>
+              <a:picLocks noChangeAspect="1" noChangeArrowheads="1"/>
+            </p:cNvPicPr>
+            <p:nvPr/>
+          </p:nvPicPr>
+          <p:blipFill rotWithShape="1">
+            <a:blip r:embed="rId2">
+              <a:extLst>
+                <a:ext uri="{28A0092B-C50C-407E-A947-70E740481C1C}">
+                  <a14:useLocalDpi xmlns:a14="http://schemas.microsoft.com/office/drawing/2010/main" val="0"/>
+                </a:ext>
+              </a:extLst>
+            </a:blip>
+            <a:srcRect t="1074" r="68838"/>
+            <a:stretch/>
+          </p:blipFill>
+          <p:spPr bwMode="auto">
+            <a:xfrm>
+              <a:off x="107505" y="1309504"/>
+              <a:ext cx="1325055" cy="3487648"/>
+            </a:xfrm>
+            <a:prstGeom prst="rect">
+              <a:avLst/>
+            </a:prstGeom>
+            <a:noFill/>
+            <a:ln>
+              <a:noFill/>
+            </a:ln>
+            <a:extLst>
+              <a:ext uri="{909E8E84-426E-40DD-AFC4-6F175D3DCCD1}">
+                <a14:hiddenFill xmlns:a14="http://schemas.microsoft.com/office/drawing/2010/main">
+                  <a:solidFill>
+                    <a:schemeClr val="accent1"/>
+                  </a:solidFill>
+                </a14:hiddenFill>
+              </a:ext>
+              <a:ext uri="{91240B29-F687-4F45-9708-019B960494DF}">
+                <a14:hiddenLine xmlns:a14="http://schemas.microsoft.com/office/drawing/2010/main" w="9525">
+                  <a:solidFill>
+                    <a:schemeClr val="tx1"/>
+                  </a:solidFill>
+                  <a:miter lim="800000"/>
+                  <a:headEnd/>
+                  <a:tailEnd/>
+                </a14:hiddenLine>
+              </a:ext>
+            </a:extLst>
+          </p:spPr>
+        </p:pic>
+        <p:pic>
+          <p:nvPicPr>
+            <p:cNvPr id="7" name="Picture 2"/>
+            <p:cNvPicPr>
+              <a:picLocks noChangeAspect="1" noChangeArrowheads="1"/>
+            </p:cNvPicPr>
+            <p:nvPr/>
+          </p:nvPicPr>
+          <p:blipFill rotWithShape="1">
+            <a:blip r:embed="rId2">
+              <a:extLst>
+                <a:ext uri="{28A0092B-C50C-407E-A947-70E740481C1C}">
+                  <a14:useLocalDpi xmlns:a14="http://schemas.microsoft.com/office/drawing/2010/main" val="0"/>
+                </a:ext>
+              </a:extLst>
+            </a:blip>
+            <a:srcRect l="84382" t="1074"/>
+            <a:stretch/>
+          </p:blipFill>
+          <p:spPr bwMode="auto">
+            <a:xfrm>
+              <a:off x="1432560" y="1309504"/>
+              <a:ext cx="664097" cy="3487648"/>
+            </a:xfrm>
+            <a:prstGeom prst="rect">
+              <a:avLst/>
+            </a:prstGeom>
+            <a:noFill/>
+            <a:ln>
+              <a:noFill/>
+            </a:ln>
+            <a:extLst>
+              <a:ext uri="{909E8E84-426E-40DD-AFC4-6F175D3DCCD1}">
+                <a14:hiddenFill xmlns:a14="http://schemas.microsoft.com/office/drawing/2010/main">
+                  <a:solidFill>
+                    <a:schemeClr val="accent1"/>
+                  </a:solidFill>
+                </a14:hiddenFill>
+              </a:ext>
+              <a:ext uri="{91240B29-F687-4F45-9708-019B960494DF}">
+                <a14:hiddenLine xmlns:a14="http://schemas.microsoft.com/office/drawing/2010/main" w="9525">
+                  <a:solidFill>
+                    <a:schemeClr val="tx1"/>
+                  </a:solidFill>
+                  <a:miter lim="800000"/>
+                  <a:headEnd/>
+                  <a:tailEnd/>
+                </a14:hiddenLine>
+              </a:ext>
+            </a:extLst>
+          </p:spPr>
+        </p:pic>
+      </p:grpSp>
+    </p:spTree>
+    <p:extLst>
+      <p:ext uri="{BB962C8B-B14F-4D97-AF65-F5344CB8AC3E}">
+        <p14:creationId xmlns:p14="http://schemas.microsoft.com/office/powerpoint/2010/main" val="2862545557"/>
+      </p:ext>
+    </p:extLst>
+  </p:cSld>
+  <p:clrMapOvr>
+    <a:masterClrMapping/>
+  </p:clrMapOvr>
+</p:sld>
+</file>
+
 <file path=ppt/theme/theme1.xml><?xml version="1.0" encoding="utf-8"?>
 <a:theme xmlns:a="http://schemas.openxmlformats.org/drawingml/2006/main" name="Office 테마">
   <a:themeElements>
